--- a/ppt 16-9/1459.你们必须重生.pptx
+++ b/ppt 16-9/1459.你们必须重生.pptx
@@ -5,7 +5,7 @@
     <p:sldMasterId id="2147483648" r:id="rId1"/>
   </p:sldMasterIdLst>
   <p:sldIdLst>
-    <p:sldId id="1030" r:id="rId2"/>
+    <p:sldId id="1031" r:id="rId2"/>
   </p:sldIdLst>
   <p:sldSz cx="12192000" cy="6858000"/>
   <p:notesSz cx="6858000" cy="9144000"/>
@@ -129,7 +129,7 @@
           <p:cNvPr id="2" name="标题 1">
             <a:extLst>
               <a:ext uri="{FF2B5EF4-FFF2-40B4-BE49-F238E27FC236}">
-                <a16:creationId xmlns:a16="http://schemas.microsoft.com/office/drawing/2014/main" id="{D3710196-7321-D27F-4A53-CC319EE555A0}"/>
+                <a16:creationId xmlns:a16="http://schemas.microsoft.com/office/drawing/2014/main" id="{6A58E002-7710-D768-6B01-CE12CF8E3E11}"/>
               </a:ext>
             </a:extLst>
           </p:cNvPr>
@@ -166,7 +166,7 @@
           <p:cNvPr id="3" name="副标题 2">
             <a:extLst>
               <a:ext uri="{FF2B5EF4-FFF2-40B4-BE49-F238E27FC236}">
-                <a16:creationId xmlns:a16="http://schemas.microsoft.com/office/drawing/2014/main" id="{1C90F3F9-CC53-A75E-6661-F92F5307C1E3}"/>
+                <a16:creationId xmlns:a16="http://schemas.microsoft.com/office/drawing/2014/main" id="{84B1538B-39BC-17CD-1EA7-7592369253FE}"/>
               </a:ext>
             </a:extLst>
           </p:cNvPr>
@@ -236,7 +236,7 @@
           <p:cNvPr id="4" name="日期占位符 3">
             <a:extLst>
               <a:ext uri="{FF2B5EF4-FFF2-40B4-BE49-F238E27FC236}">
-                <a16:creationId xmlns:a16="http://schemas.microsoft.com/office/drawing/2014/main" id="{67A53133-F63A-5720-62B1-ED016A415CC3}"/>
+                <a16:creationId xmlns:a16="http://schemas.microsoft.com/office/drawing/2014/main" id="{1FC74D4A-019C-35C5-96DC-610AE2D2DDA4}"/>
               </a:ext>
             </a:extLst>
           </p:cNvPr>
@@ -252,7 +252,7 @@
           <a:bodyPr/>
           <a:lstStyle/>
           <a:p>
-            <a:fld id="{107ED4B1-6B5D-4BAB-A441-595B0AEDAA76}" type="datetimeFigureOut">
+            <a:fld id="{6DC3F069-4C05-4A5D-A7F5-0BB48370E441}" type="datetimeFigureOut">
               <a:rPr lang="zh-CN" altLang="en-US" smtClean="0"/>
               <a:t>2024/3/10</a:t>
             </a:fld>
@@ -265,7 +265,7 @@
           <p:cNvPr id="5" name="页脚占位符 4">
             <a:extLst>
               <a:ext uri="{FF2B5EF4-FFF2-40B4-BE49-F238E27FC236}">
-                <a16:creationId xmlns:a16="http://schemas.microsoft.com/office/drawing/2014/main" id="{AD6517D6-BE4F-7E77-CD8F-9C1986AB6320}"/>
+                <a16:creationId xmlns:a16="http://schemas.microsoft.com/office/drawing/2014/main" id="{606C0547-4D96-E5F2-CDC5-84C02F6BAA2E}"/>
               </a:ext>
             </a:extLst>
           </p:cNvPr>
@@ -290,7 +290,7 @@
           <p:cNvPr id="6" name="灯片编号占位符 5">
             <a:extLst>
               <a:ext uri="{FF2B5EF4-FFF2-40B4-BE49-F238E27FC236}">
-                <a16:creationId xmlns:a16="http://schemas.microsoft.com/office/drawing/2014/main" id="{88200512-CFA8-89E2-E68D-9B6C541EFE46}"/>
+                <a16:creationId xmlns:a16="http://schemas.microsoft.com/office/drawing/2014/main" id="{6605998E-2C4D-873C-20B8-D842796696C2}"/>
               </a:ext>
             </a:extLst>
           </p:cNvPr>
@@ -306,7 +306,7 @@
           <a:bodyPr/>
           <a:lstStyle/>
           <a:p>
-            <a:fld id="{6A7A9C09-34D2-4A05-B647-F389992BC8F6}" type="slidenum">
+            <a:fld id="{69485E6D-D346-406C-97B3-E274B0657036}" type="slidenum">
               <a:rPr lang="zh-CN" altLang="en-US" smtClean="0"/>
               <a:t>‹#›</a:t>
             </a:fld>
@@ -317,7 +317,7 @@
     </p:spTree>
     <p:extLst>
       <p:ext uri="{BB962C8B-B14F-4D97-AF65-F5344CB8AC3E}">
-        <p14:creationId xmlns:p14="http://schemas.microsoft.com/office/powerpoint/2010/main" val="4263972623"/>
+        <p14:creationId xmlns:p14="http://schemas.microsoft.com/office/powerpoint/2010/main" val="2834033126"/>
       </p:ext>
     </p:extLst>
   </p:cSld>
@@ -349,7 +349,7 @@
           <p:cNvPr id="2" name="标题 1">
             <a:extLst>
               <a:ext uri="{FF2B5EF4-FFF2-40B4-BE49-F238E27FC236}">
-                <a16:creationId xmlns:a16="http://schemas.microsoft.com/office/drawing/2014/main" id="{13C4BA82-F305-66F0-BE0A-753032CC40FA}"/>
+                <a16:creationId xmlns:a16="http://schemas.microsoft.com/office/drawing/2014/main" id="{5FFCC01F-FCD9-DE00-D828-79191381EEA9}"/>
               </a:ext>
             </a:extLst>
           </p:cNvPr>
@@ -377,7 +377,7 @@
           <p:cNvPr id="3" name="竖排文字占位符 2">
             <a:extLst>
               <a:ext uri="{FF2B5EF4-FFF2-40B4-BE49-F238E27FC236}">
-                <a16:creationId xmlns:a16="http://schemas.microsoft.com/office/drawing/2014/main" id="{E535EA7D-B2E9-7F32-E780-502645D11F9B}"/>
+                <a16:creationId xmlns:a16="http://schemas.microsoft.com/office/drawing/2014/main" id="{989B6900-A431-B4C1-070B-5CED4CCAEB5D}"/>
               </a:ext>
             </a:extLst>
           </p:cNvPr>
@@ -434,7 +434,7 @@
           <p:cNvPr id="4" name="日期占位符 3">
             <a:extLst>
               <a:ext uri="{FF2B5EF4-FFF2-40B4-BE49-F238E27FC236}">
-                <a16:creationId xmlns:a16="http://schemas.microsoft.com/office/drawing/2014/main" id="{CB5E3DD6-25FF-F5AB-EC07-A2877365EA3A}"/>
+                <a16:creationId xmlns:a16="http://schemas.microsoft.com/office/drawing/2014/main" id="{E8E218E8-82CC-2888-519E-85CAE14E5642}"/>
               </a:ext>
             </a:extLst>
           </p:cNvPr>
@@ -450,7 +450,7 @@
           <a:bodyPr/>
           <a:lstStyle/>
           <a:p>
-            <a:fld id="{107ED4B1-6B5D-4BAB-A441-595B0AEDAA76}" type="datetimeFigureOut">
+            <a:fld id="{6DC3F069-4C05-4A5D-A7F5-0BB48370E441}" type="datetimeFigureOut">
               <a:rPr lang="zh-CN" altLang="en-US" smtClean="0"/>
               <a:t>2024/3/10</a:t>
             </a:fld>
@@ -463,7 +463,7 @@
           <p:cNvPr id="5" name="页脚占位符 4">
             <a:extLst>
               <a:ext uri="{FF2B5EF4-FFF2-40B4-BE49-F238E27FC236}">
-                <a16:creationId xmlns:a16="http://schemas.microsoft.com/office/drawing/2014/main" id="{715A5051-6B11-C1A0-80FF-F858F40DE28A}"/>
+                <a16:creationId xmlns:a16="http://schemas.microsoft.com/office/drawing/2014/main" id="{AE83E787-CC96-8AF6-088D-66566A776FF4}"/>
               </a:ext>
             </a:extLst>
           </p:cNvPr>
@@ -488,7 +488,7 @@
           <p:cNvPr id="6" name="灯片编号占位符 5">
             <a:extLst>
               <a:ext uri="{FF2B5EF4-FFF2-40B4-BE49-F238E27FC236}">
-                <a16:creationId xmlns:a16="http://schemas.microsoft.com/office/drawing/2014/main" id="{D19C4AFE-1ABC-EDF3-3F2E-2A977B9C75F7}"/>
+                <a16:creationId xmlns:a16="http://schemas.microsoft.com/office/drawing/2014/main" id="{7FB92227-487C-2526-F6F6-BE6F58A7ECF1}"/>
               </a:ext>
             </a:extLst>
           </p:cNvPr>
@@ -504,7 +504,7 @@
           <a:bodyPr/>
           <a:lstStyle/>
           <a:p>
-            <a:fld id="{6A7A9C09-34D2-4A05-B647-F389992BC8F6}" type="slidenum">
+            <a:fld id="{69485E6D-D346-406C-97B3-E274B0657036}" type="slidenum">
               <a:rPr lang="zh-CN" altLang="en-US" smtClean="0"/>
               <a:t>‹#›</a:t>
             </a:fld>
@@ -515,7 +515,7 @@
     </p:spTree>
     <p:extLst>
       <p:ext uri="{BB962C8B-B14F-4D97-AF65-F5344CB8AC3E}">
-        <p14:creationId xmlns:p14="http://schemas.microsoft.com/office/powerpoint/2010/main" val="1765092982"/>
+        <p14:creationId xmlns:p14="http://schemas.microsoft.com/office/powerpoint/2010/main" val="1577537459"/>
       </p:ext>
     </p:extLst>
   </p:cSld>
@@ -547,7 +547,7 @@
           <p:cNvPr id="2" name="竖排标题 1">
             <a:extLst>
               <a:ext uri="{FF2B5EF4-FFF2-40B4-BE49-F238E27FC236}">
-                <a16:creationId xmlns:a16="http://schemas.microsoft.com/office/drawing/2014/main" id="{2F98FF79-6417-E30A-9E4A-7744CFBC4B50}"/>
+                <a16:creationId xmlns:a16="http://schemas.microsoft.com/office/drawing/2014/main" id="{D839C18F-EBC6-B3FC-C4AE-0838FC4A9522}"/>
               </a:ext>
             </a:extLst>
           </p:cNvPr>
@@ -580,7 +580,7 @@
           <p:cNvPr id="3" name="竖排文字占位符 2">
             <a:extLst>
               <a:ext uri="{FF2B5EF4-FFF2-40B4-BE49-F238E27FC236}">
-                <a16:creationId xmlns:a16="http://schemas.microsoft.com/office/drawing/2014/main" id="{B32221D1-FF7C-C6F3-171E-B7D52CF1E33B}"/>
+                <a16:creationId xmlns:a16="http://schemas.microsoft.com/office/drawing/2014/main" id="{52C3DFF5-5ED9-DF7B-3CF6-22E71FBE8AB2}"/>
               </a:ext>
             </a:extLst>
           </p:cNvPr>
@@ -642,7 +642,7 @@
           <p:cNvPr id="4" name="日期占位符 3">
             <a:extLst>
               <a:ext uri="{FF2B5EF4-FFF2-40B4-BE49-F238E27FC236}">
-                <a16:creationId xmlns:a16="http://schemas.microsoft.com/office/drawing/2014/main" id="{9431C420-1ED6-1827-80B6-714FFAAAC5DF}"/>
+                <a16:creationId xmlns:a16="http://schemas.microsoft.com/office/drawing/2014/main" id="{83516340-53D6-F671-77A2-07580E0F0684}"/>
               </a:ext>
             </a:extLst>
           </p:cNvPr>
@@ -658,7 +658,7 @@
           <a:bodyPr/>
           <a:lstStyle/>
           <a:p>
-            <a:fld id="{107ED4B1-6B5D-4BAB-A441-595B0AEDAA76}" type="datetimeFigureOut">
+            <a:fld id="{6DC3F069-4C05-4A5D-A7F5-0BB48370E441}" type="datetimeFigureOut">
               <a:rPr lang="zh-CN" altLang="en-US" smtClean="0"/>
               <a:t>2024/3/10</a:t>
             </a:fld>
@@ -671,7 +671,7 @@
           <p:cNvPr id="5" name="页脚占位符 4">
             <a:extLst>
               <a:ext uri="{FF2B5EF4-FFF2-40B4-BE49-F238E27FC236}">
-                <a16:creationId xmlns:a16="http://schemas.microsoft.com/office/drawing/2014/main" id="{45A03FB2-0225-ACD7-B183-3E5BD017F4AE}"/>
+                <a16:creationId xmlns:a16="http://schemas.microsoft.com/office/drawing/2014/main" id="{0DEC81C5-DFE9-3067-1DD8-CFE5F8F39465}"/>
               </a:ext>
             </a:extLst>
           </p:cNvPr>
@@ -696,7 +696,7 @@
           <p:cNvPr id="6" name="灯片编号占位符 5">
             <a:extLst>
               <a:ext uri="{FF2B5EF4-FFF2-40B4-BE49-F238E27FC236}">
-                <a16:creationId xmlns:a16="http://schemas.microsoft.com/office/drawing/2014/main" id="{F4DA631B-8168-12A8-1CD5-B455C2710575}"/>
+                <a16:creationId xmlns:a16="http://schemas.microsoft.com/office/drawing/2014/main" id="{794D1532-BC7A-F28B-10CE-6CDDD342933A}"/>
               </a:ext>
             </a:extLst>
           </p:cNvPr>
@@ -712,7 +712,7 @@
           <a:bodyPr/>
           <a:lstStyle/>
           <a:p>
-            <a:fld id="{6A7A9C09-34D2-4A05-B647-F389992BC8F6}" type="slidenum">
+            <a:fld id="{69485E6D-D346-406C-97B3-E274B0657036}" type="slidenum">
               <a:rPr lang="zh-CN" altLang="en-US" smtClean="0"/>
               <a:t>‹#›</a:t>
             </a:fld>
@@ -723,7 +723,7 @@
     </p:spTree>
     <p:extLst>
       <p:ext uri="{BB962C8B-B14F-4D97-AF65-F5344CB8AC3E}">
-        <p14:creationId xmlns:p14="http://schemas.microsoft.com/office/powerpoint/2010/main" val="289192522"/>
+        <p14:creationId xmlns:p14="http://schemas.microsoft.com/office/powerpoint/2010/main" val="1939018327"/>
       </p:ext>
     </p:extLst>
   </p:cSld>
@@ -755,7 +755,7 @@
           <p:cNvPr id="2" name="标题 1">
             <a:extLst>
               <a:ext uri="{FF2B5EF4-FFF2-40B4-BE49-F238E27FC236}">
-                <a16:creationId xmlns:a16="http://schemas.microsoft.com/office/drawing/2014/main" id="{5E314A28-B26F-F86D-E1CC-02AD828B09DA}"/>
+                <a16:creationId xmlns:a16="http://schemas.microsoft.com/office/drawing/2014/main" id="{E624274B-6185-9A3D-8D0A-F0FA4E686508}"/>
               </a:ext>
             </a:extLst>
           </p:cNvPr>
@@ -783,7 +783,7 @@
           <p:cNvPr id="3" name="内容占位符 2">
             <a:extLst>
               <a:ext uri="{FF2B5EF4-FFF2-40B4-BE49-F238E27FC236}">
-                <a16:creationId xmlns:a16="http://schemas.microsoft.com/office/drawing/2014/main" id="{DCB7347D-2274-9FD5-904A-14741491F338}"/>
+                <a16:creationId xmlns:a16="http://schemas.microsoft.com/office/drawing/2014/main" id="{C0C71CAD-5205-E114-BBFF-79FB79CE2472}"/>
               </a:ext>
             </a:extLst>
           </p:cNvPr>
@@ -840,7 +840,7 @@
           <p:cNvPr id="4" name="日期占位符 3">
             <a:extLst>
               <a:ext uri="{FF2B5EF4-FFF2-40B4-BE49-F238E27FC236}">
-                <a16:creationId xmlns:a16="http://schemas.microsoft.com/office/drawing/2014/main" id="{EFA50889-6462-DA73-0DEC-1F0B21142467}"/>
+                <a16:creationId xmlns:a16="http://schemas.microsoft.com/office/drawing/2014/main" id="{30853F0D-493E-4C64-0967-CD5248FA8208}"/>
               </a:ext>
             </a:extLst>
           </p:cNvPr>
@@ -856,7 +856,7 @@
           <a:bodyPr/>
           <a:lstStyle/>
           <a:p>
-            <a:fld id="{107ED4B1-6B5D-4BAB-A441-595B0AEDAA76}" type="datetimeFigureOut">
+            <a:fld id="{6DC3F069-4C05-4A5D-A7F5-0BB48370E441}" type="datetimeFigureOut">
               <a:rPr lang="zh-CN" altLang="en-US" smtClean="0"/>
               <a:t>2024/3/10</a:t>
             </a:fld>
@@ -869,7 +869,7 @@
           <p:cNvPr id="5" name="页脚占位符 4">
             <a:extLst>
               <a:ext uri="{FF2B5EF4-FFF2-40B4-BE49-F238E27FC236}">
-                <a16:creationId xmlns:a16="http://schemas.microsoft.com/office/drawing/2014/main" id="{57EF43FA-92C9-67FB-3F54-FDB14F305C19}"/>
+                <a16:creationId xmlns:a16="http://schemas.microsoft.com/office/drawing/2014/main" id="{F3F0AF17-1EA9-D9BA-B16D-DD5818BE44C1}"/>
               </a:ext>
             </a:extLst>
           </p:cNvPr>
@@ -894,7 +894,7 @@
           <p:cNvPr id="6" name="灯片编号占位符 5">
             <a:extLst>
               <a:ext uri="{FF2B5EF4-FFF2-40B4-BE49-F238E27FC236}">
-                <a16:creationId xmlns:a16="http://schemas.microsoft.com/office/drawing/2014/main" id="{4E901B0E-A863-6CBD-275B-C88D5279218D}"/>
+                <a16:creationId xmlns:a16="http://schemas.microsoft.com/office/drawing/2014/main" id="{B617DE96-0D74-9B00-5D0A-51FD29F9023F}"/>
               </a:ext>
             </a:extLst>
           </p:cNvPr>
@@ -910,7 +910,7 @@
           <a:bodyPr/>
           <a:lstStyle/>
           <a:p>
-            <a:fld id="{6A7A9C09-34D2-4A05-B647-F389992BC8F6}" type="slidenum">
+            <a:fld id="{69485E6D-D346-406C-97B3-E274B0657036}" type="slidenum">
               <a:rPr lang="zh-CN" altLang="en-US" smtClean="0"/>
               <a:t>‹#›</a:t>
             </a:fld>
@@ -921,7 +921,7 @@
     </p:spTree>
     <p:extLst>
       <p:ext uri="{BB962C8B-B14F-4D97-AF65-F5344CB8AC3E}">
-        <p14:creationId xmlns:p14="http://schemas.microsoft.com/office/powerpoint/2010/main" val="3959661672"/>
+        <p14:creationId xmlns:p14="http://schemas.microsoft.com/office/powerpoint/2010/main" val="4209866598"/>
       </p:ext>
     </p:extLst>
   </p:cSld>
@@ -953,7 +953,7 @@
           <p:cNvPr id="2" name="标题 1">
             <a:extLst>
               <a:ext uri="{FF2B5EF4-FFF2-40B4-BE49-F238E27FC236}">
-                <a16:creationId xmlns:a16="http://schemas.microsoft.com/office/drawing/2014/main" id="{D2DF5DB2-4C08-0430-6EF0-7EE6C586CDBA}"/>
+                <a16:creationId xmlns:a16="http://schemas.microsoft.com/office/drawing/2014/main" id="{0A242F9B-2A9B-2B2E-06B0-8414037C7778}"/>
               </a:ext>
             </a:extLst>
           </p:cNvPr>
@@ -990,7 +990,7 @@
           <p:cNvPr id="3" name="文本占位符 2">
             <a:extLst>
               <a:ext uri="{FF2B5EF4-FFF2-40B4-BE49-F238E27FC236}">
-                <a16:creationId xmlns:a16="http://schemas.microsoft.com/office/drawing/2014/main" id="{1D0C780B-CDAC-E6BB-BA7F-94CA79C4913A}"/>
+                <a16:creationId xmlns:a16="http://schemas.microsoft.com/office/drawing/2014/main" id="{7D388078-3708-C5D6-D1C3-5D5A9A23F841}"/>
               </a:ext>
             </a:extLst>
           </p:cNvPr>
@@ -1115,7 +1115,7 @@
           <p:cNvPr id="4" name="日期占位符 3">
             <a:extLst>
               <a:ext uri="{FF2B5EF4-FFF2-40B4-BE49-F238E27FC236}">
-                <a16:creationId xmlns:a16="http://schemas.microsoft.com/office/drawing/2014/main" id="{F0746737-419F-02A7-2B96-60C74FFB4D74}"/>
+                <a16:creationId xmlns:a16="http://schemas.microsoft.com/office/drawing/2014/main" id="{643B8ECB-26E7-DD45-F67E-1A4C84D0B3D3}"/>
               </a:ext>
             </a:extLst>
           </p:cNvPr>
@@ -1131,7 +1131,7 @@
           <a:bodyPr/>
           <a:lstStyle/>
           <a:p>
-            <a:fld id="{107ED4B1-6B5D-4BAB-A441-595B0AEDAA76}" type="datetimeFigureOut">
+            <a:fld id="{6DC3F069-4C05-4A5D-A7F5-0BB48370E441}" type="datetimeFigureOut">
               <a:rPr lang="zh-CN" altLang="en-US" smtClean="0"/>
               <a:t>2024/3/10</a:t>
             </a:fld>
@@ -1144,7 +1144,7 @@
           <p:cNvPr id="5" name="页脚占位符 4">
             <a:extLst>
               <a:ext uri="{FF2B5EF4-FFF2-40B4-BE49-F238E27FC236}">
-                <a16:creationId xmlns:a16="http://schemas.microsoft.com/office/drawing/2014/main" id="{8D890076-560B-EC8D-3737-D9BCE85571B8}"/>
+                <a16:creationId xmlns:a16="http://schemas.microsoft.com/office/drawing/2014/main" id="{7CE0E914-93E8-60F8-A3CF-BC80451F954F}"/>
               </a:ext>
             </a:extLst>
           </p:cNvPr>
@@ -1169,7 +1169,7 @@
           <p:cNvPr id="6" name="灯片编号占位符 5">
             <a:extLst>
               <a:ext uri="{FF2B5EF4-FFF2-40B4-BE49-F238E27FC236}">
-                <a16:creationId xmlns:a16="http://schemas.microsoft.com/office/drawing/2014/main" id="{B6ABFC62-B2C8-7358-AA8B-140E6A62D953}"/>
+                <a16:creationId xmlns:a16="http://schemas.microsoft.com/office/drawing/2014/main" id="{65AE49CF-EA67-0332-65B7-F5B6725BC42E}"/>
               </a:ext>
             </a:extLst>
           </p:cNvPr>
@@ -1185,7 +1185,7 @@
           <a:bodyPr/>
           <a:lstStyle/>
           <a:p>
-            <a:fld id="{6A7A9C09-34D2-4A05-B647-F389992BC8F6}" type="slidenum">
+            <a:fld id="{69485E6D-D346-406C-97B3-E274B0657036}" type="slidenum">
               <a:rPr lang="zh-CN" altLang="en-US" smtClean="0"/>
               <a:t>‹#›</a:t>
             </a:fld>
@@ -1196,7 +1196,7 @@
     </p:spTree>
     <p:extLst>
       <p:ext uri="{BB962C8B-B14F-4D97-AF65-F5344CB8AC3E}">
-        <p14:creationId xmlns:p14="http://schemas.microsoft.com/office/powerpoint/2010/main" val="1807473379"/>
+        <p14:creationId xmlns:p14="http://schemas.microsoft.com/office/powerpoint/2010/main" val="4120385082"/>
       </p:ext>
     </p:extLst>
   </p:cSld>
@@ -1228,7 +1228,7 @@
           <p:cNvPr id="2" name="标题 1">
             <a:extLst>
               <a:ext uri="{FF2B5EF4-FFF2-40B4-BE49-F238E27FC236}">
-                <a16:creationId xmlns:a16="http://schemas.microsoft.com/office/drawing/2014/main" id="{F7DF0DB7-DFFA-78BA-61FF-B17009248155}"/>
+                <a16:creationId xmlns:a16="http://schemas.microsoft.com/office/drawing/2014/main" id="{E85312D3-4F71-B6B2-E4DD-296B35A020B9}"/>
               </a:ext>
             </a:extLst>
           </p:cNvPr>
@@ -1256,7 +1256,7 @@
           <p:cNvPr id="3" name="内容占位符 2">
             <a:extLst>
               <a:ext uri="{FF2B5EF4-FFF2-40B4-BE49-F238E27FC236}">
-                <a16:creationId xmlns:a16="http://schemas.microsoft.com/office/drawing/2014/main" id="{4568621F-BC03-97D6-CBB9-2C0A62A3FDAD}"/>
+                <a16:creationId xmlns:a16="http://schemas.microsoft.com/office/drawing/2014/main" id="{5D5A3DE7-FA3B-B3A0-A282-A3D110F008CB}"/>
               </a:ext>
             </a:extLst>
           </p:cNvPr>
@@ -1318,7 +1318,7 @@
           <p:cNvPr id="4" name="内容占位符 3">
             <a:extLst>
               <a:ext uri="{FF2B5EF4-FFF2-40B4-BE49-F238E27FC236}">
-                <a16:creationId xmlns:a16="http://schemas.microsoft.com/office/drawing/2014/main" id="{BFA61ADF-D852-A952-1265-5F6ECFBD1302}"/>
+                <a16:creationId xmlns:a16="http://schemas.microsoft.com/office/drawing/2014/main" id="{EF7EE213-61F4-A25D-5444-A43E9CDBF0B5}"/>
               </a:ext>
             </a:extLst>
           </p:cNvPr>
@@ -1380,7 +1380,7 @@
           <p:cNvPr id="5" name="日期占位符 4">
             <a:extLst>
               <a:ext uri="{FF2B5EF4-FFF2-40B4-BE49-F238E27FC236}">
-                <a16:creationId xmlns:a16="http://schemas.microsoft.com/office/drawing/2014/main" id="{54353643-9D66-25A4-41AF-399EFDF35E0A}"/>
+                <a16:creationId xmlns:a16="http://schemas.microsoft.com/office/drawing/2014/main" id="{5BD026A9-D793-DAD9-E1E8-5E4A9BB5E922}"/>
               </a:ext>
             </a:extLst>
           </p:cNvPr>
@@ -1396,7 +1396,7 @@
           <a:bodyPr/>
           <a:lstStyle/>
           <a:p>
-            <a:fld id="{107ED4B1-6B5D-4BAB-A441-595B0AEDAA76}" type="datetimeFigureOut">
+            <a:fld id="{6DC3F069-4C05-4A5D-A7F5-0BB48370E441}" type="datetimeFigureOut">
               <a:rPr lang="zh-CN" altLang="en-US" smtClean="0"/>
               <a:t>2024/3/10</a:t>
             </a:fld>
@@ -1409,7 +1409,7 @@
           <p:cNvPr id="6" name="页脚占位符 5">
             <a:extLst>
               <a:ext uri="{FF2B5EF4-FFF2-40B4-BE49-F238E27FC236}">
-                <a16:creationId xmlns:a16="http://schemas.microsoft.com/office/drawing/2014/main" id="{218D88C7-F0D9-865E-AC6F-EC7440D8DD1D}"/>
+                <a16:creationId xmlns:a16="http://schemas.microsoft.com/office/drawing/2014/main" id="{20BDE3F3-6DCD-F923-8783-B098E5F40CC8}"/>
               </a:ext>
             </a:extLst>
           </p:cNvPr>
@@ -1434,7 +1434,7 @@
           <p:cNvPr id="7" name="灯片编号占位符 6">
             <a:extLst>
               <a:ext uri="{FF2B5EF4-FFF2-40B4-BE49-F238E27FC236}">
-                <a16:creationId xmlns:a16="http://schemas.microsoft.com/office/drawing/2014/main" id="{79726208-A0A5-4ACC-FF19-EEE79AFA8D3B}"/>
+                <a16:creationId xmlns:a16="http://schemas.microsoft.com/office/drawing/2014/main" id="{19288273-1A60-9659-AE82-BA8D5018E0CE}"/>
               </a:ext>
             </a:extLst>
           </p:cNvPr>
@@ -1450,7 +1450,7 @@
           <a:bodyPr/>
           <a:lstStyle/>
           <a:p>
-            <a:fld id="{6A7A9C09-34D2-4A05-B647-F389992BC8F6}" type="slidenum">
+            <a:fld id="{69485E6D-D346-406C-97B3-E274B0657036}" type="slidenum">
               <a:rPr lang="zh-CN" altLang="en-US" smtClean="0"/>
               <a:t>‹#›</a:t>
             </a:fld>
@@ -1461,7 +1461,7 @@
     </p:spTree>
     <p:extLst>
       <p:ext uri="{BB962C8B-B14F-4D97-AF65-F5344CB8AC3E}">
-        <p14:creationId xmlns:p14="http://schemas.microsoft.com/office/powerpoint/2010/main" val="2868447459"/>
+        <p14:creationId xmlns:p14="http://schemas.microsoft.com/office/powerpoint/2010/main" val="3686565710"/>
       </p:ext>
     </p:extLst>
   </p:cSld>
@@ -1493,7 +1493,7 @@
           <p:cNvPr id="2" name="标题 1">
             <a:extLst>
               <a:ext uri="{FF2B5EF4-FFF2-40B4-BE49-F238E27FC236}">
-                <a16:creationId xmlns:a16="http://schemas.microsoft.com/office/drawing/2014/main" id="{476C22F4-DA52-D0C2-9D36-56B8D198EF1A}"/>
+                <a16:creationId xmlns:a16="http://schemas.microsoft.com/office/drawing/2014/main" id="{153CD6C7-2F4A-CBB3-0CE2-47886360A454}"/>
               </a:ext>
             </a:extLst>
           </p:cNvPr>
@@ -1526,7 +1526,7 @@
           <p:cNvPr id="3" name="文本占位符 2">
             <a:extLst>
               <a:ext uri="{FF2B5EF4-FFF2-40B4-BE49-F238E27FC236}">
-                <a16:creationId xmlns:a16="http://schemas.microsoft.com/office/drawing/2014/main" id="{E61DBFB5-3480-B098-1C5C-3952704DE0CE}"/>
+                <a16:creationId xmlns:a16="http://schemas.microsoft.com/office/drawing/2014/main" id="{D4792579-F540-D01C-FBC7-C5B120F5936D}"/>
               </a:ext>
             </a:extLst>
           </p:cNvPr>
@@ -1597,7 +1597,7 @@
           <p:cNvPr id="4" name="内容占位符 3">
             <a:extLst>
               <a:ext uri="{FF2B5EF4-FFF2-40B4-BE49-F238E27FC236}">
-                <a16:creationId xmlns:a16="http://schemas.microsoft.com/office/drawing/2014/main" id="{439699A7-793E-E5E0-644A-81E072A86B2F}"/>
+                <a16:creationId xmlns:a16="http://schemas.microsoft.com/office/drawing/2014/main" id="{2117F522-5C49-B73B-5C0A-9372934B8E8B}"/>
               </a:ext>
             </a:extLst>
           </p:cNvPr>
@@ -1659,7 +1659,7 @@
           <p:cNvPr id="5" name="文本占位符 4">
             <a:extLst>
               <a:ext uri="{FF2B5EF4-FFF2-40B4-BE49-F238E27FC236}">
-                <a16:creationId xmlns:a16="http://schemas.microsoft.com/office/drawing/2014/main" id="{8AF5DA3C-FD7D-C6DA-9E34-CEA2ED61A9CB}"/>
+                <a16:creationId xmlns:a16="http://schemas.microsoft.com/office/drawing/2014/main" id="{796B397B-E62B-4553-1B07-22C11630607B}"/>
               </a:ext>
             </a:extLst>
           </p:cNvPr>
@@ -1730,7 +1730,7 @@
           <p:cNvPr id="6" name="内容占位符 5">
             <a:extLst>
               <a:ext uri="{FF2B5EF4-FFF2-40B4-BE49-F238E27FC236}">
-                <a16:creationId xmlns:a16="http://schemas.microsoft.com/office/drawing/2014/main" id="{34B2A0F9-1A64-B937-879A-A91A247F0E61}"/>
+                <a16:creationId xmlns:a16="http://schemas.microsoft.com/office/drawing/2014/main" id="{9062FACF-1CF8-DCE3-D2E9-7E145E5C7B3C}"/>
               </a:ext>
             </a:extLst>
           </p:cNvPr>
@@ -1792,7 +1792,7 @@
           <p:cNvPr id="7" name="日期占位符 6">
             <a:extLst>
               <a:ext uri="{FF2B5EF4-FFF2-40B4-BE49-F238E27FC236}">
-                <a16:creationId xmlns:a16="http://schemas.microsoft.com/office/drawing/2014/main" id="{FBA413EC-6192-50FB-3F5A-0DF30702AD69}"/>
+                <a16:creationId xmlns:a16="http://schemas.microsoft.com/office/drawing/2014/main" id="{05CAACC4-4502-7C64-F802-F977B98D029C}"/>
               </a:ext>
             </a:extLst>
           </p:cNvPr>
@@ -1808,7 +1808,7 @@
           <a:bodyPr/>
           <a:lstStyle/>
           <a:p>
-            <a:fld id="{107ED4B1-6B5D-4BAB-A441-595B0AEDAA76}" type="datetimeFigureOut">
+            <a:fld id="{6DC3F069-4C05-4A5D-A7F5-0BB48370E441}" type="datetimeFigureOut">
               <a:rPr lang="zh-CN" altLang="en-US" smtClean="0"/>
               <a:t>2024/3/10</a:t>
             </a:fld>
@@ -1821,7 +1821,7 @@
           <p:cNvPr id="8" name="页脚占位符 7">
             <a:extLst>
               <a:ext uri="{FF2B5EF4-FFF2-40B4-BE49-F238E27FC236}">
-                <a16:creationId xmlns:a16="http://schemas.microsoft.com/office/drawing/2014/main" id="{6FC39EF0-240D-002E-5E5C-31F61522673E}"/>
+                <a16:creationId xmlns:a16="http://schemas.microsoft.com/office/drawing/2014/main" id="{0490867D-0484-2296-F8D9-2E31F1F2D9E7}"/>
               </a:ext>
             </a:extLst>
           </p:cNvPr>
@@ -1846,7 +1846,7 @@
           <p:cNvPr id="9" name="灯片编号占位符 8">
             <a:extLst>
               <a:ext uri="{FF2B5EF4-FFF2-40B4-BE49-F238E27FC236}">
-                <a16:creationId xmlns:a16="http://schemas.microsoft.com/office/drawing/2014/main" id="{64C997A4-6D72-B014-4F0D-F134040058D6}"/>
+                <a16:creationId xmlns:a16="http://schemas.microsoft.com/office/drawing/2014/main" id="{B4DFB697-3D33-72C2-E548-CE651BF70188}"/>
               </a:ext>
             </a:extLst>
           </p:cNvPr>
@@ -1862,7 +1862,7 @@
           <a:bodyPr/>
           <a:lstStyle/>
           <a:p>
-            <a:fld id="{6A7A9C09-34D2-4A05-B647-F389992BC8F6}" type="slidenum">
+            <a:fld id="{69485E6D-D346-406C-97B3-E274B0657036}" type="slidenum">
               <a:rPr lang="zh-CN" altLang="en-US" smtClean="0"/>
               <a:t>‹#›</a:t>
             </a:fld>
@@ -1873,7 +1873,7 @@
     </p:spTree>
     <p:extLst>
       <p:ext uri="{BB962C8B-B14F-4D97-AF65-F5344CB8AC3E}">
-        <p14:creationId xmlns:p14="http://schemas.microsoft.com/office/powerpoint/2010/main" val="1042911469"/>
+        <p14:creationId xmlns:p14="http://schemas.microsoft.com/office/powerpoint/2010/main" val="996218904"/>
       </p:ext>
     </p:extLst>
   </p:cSld>
@@ -1905,7 +1905,7 @@
           <p:cNvPr id="2" name="标题 1">
             <a:extLst>
               <a:ext uri="{FF2B5EF4-FFF2-40B4-BE49-F238E27FC236}">
-                <a16:creationId xmlns:a16="http://schemas.microsoft.com/office/drawing/2014/main" id="{7EDF22D9-DD14-3E4B-9D47-49C4910FEF5A}"/>
+                <a16:creationId xmlns:a16="http://schemas.microsoft.com/office/drawing/2014/main" id="{BB4C9A0A-7AE6-E150-160E-17402DDC1EA6}"/>
               </a:ext>
             </a:extLst>
           </p:cNvPr>
@@ -1933,7 +1933,7 @@
           <p:cNvPr id="3" name="日期占位符 2">
             <a:extLst>
               <a:ext uri="{FF2B5EF4-FFF2-40B4-BE49-F238E27FC236}">
-                <a16:creationId xmlns:a16="http://schemas.microsoft.com/office/drawing/2014/main" id="{8A4702DF-EDE6-3104-6EBD-75849942B918}"/>
+                <a16:creationId xmlns:a16="http://schemas.microsoft.com/office/drawing/2014/main" id="{D2A9E9A9-B31B-C444-045D-C0040E7CFB95}"/>
               </a:ext>
             </a:extLst>
           </p:cNvPr>
@@ -1949,7 +1949,7 @@
           <a:bodyPr/>
           <a:lstStyle/>
           <a:p>
-            <a:fld id="{107ED4B1-6B5D-4BAB-A441-595B0AEDAA76}" type="datetimeFigureOut">
+            <a:fld id="{6DC3F069-4C05-4A5D-A7F5-0BB48370E441}" type="datetimeFigureOut">
               <a:rPr lang="zh-CN" altLang="en-US" smtClean="0"/>
               <a:t>2024/3/10</a:t>
             </a:fld>
@@ -1962,7 +1962,7 @@
           <p:cNvPr id="4" name="页脚占位符 3">
             <a:extLst>
               <a:ext uri="{FF2B5EF4-FFF2-40B4-BE49-F238E27FC236}">
-                <a16:creationId xmlns:a16="http://schemas.microsoft.com/office/drawing/2014/main" id="{5BD548A7-FB7B-2F2E-65F9-1948E0BC9F46}"/>
+                <a16:creationId xmlns:a16="http://schemas.microsoft.com/office/drawing/2014/main" id="{B8B09B03-4243-2005-F625-CE365723879F}"/>
               </a:ext>
             </a:extLst>
           </p:cNvPr>
@@ -1987,7 +1987,7 @@
           <p:cNvPr id="5" name="灯片编号占位符 4">
             <a:extLst>
               <a:ext uri="{FF2B5EF4-FFF2-40B4-BE49-F238E27FC236}">
-                <a16:creationId xmlns:a16="http://schemas.microsoft.com/office/drawing/2014/main" id="{DC77734E-A30C-9A37-C115-7E23516EE70E}"/>
+                <a16:creationId xmlns:a16="http://schemas.microsoft.com/office/drawing/2014/main" id="{F6EA90B2-9B98-D539-B7F8-E8B11B0DACF5}"/>
               </a:ext>
             </a:extLst>
           </p:cNvPr>
@@ -2003,7 +2003,7 @@
           <a:bodyPr/>
           <a:lstStyle/>
           <a:p>
-            <a:fld id="{6A7A9C09-34D2-4A05-B647-F389992BC8F6}" type="slidenum">
+            <a:fld id="{69485E6D-D346-406C-97B3-E274B0657036}" type="slidenum">
               <a:rPr lang="zh-CN" altLang="en-US" smtClean="0"/>
               <a:t>‹#›</a:t>
             </a:fld>
@@ -2014,7 +2014,7 @@
     </p:spTree>
     <p:extLst>
       <p:ext uri="{BB962C8B-B14F-4D97-AF65-F5344CB8AC3E}">
-        <p14:creationId xmlns:p14="http://schemas.microsoft.com/office/powerpoint/2010/main" val="421645841"/>
+        <p14:creationId xmlns:p14="http://schemas.microsoft.com/office/powerpoint/2010/main" val="400450646"/>
       </p:ext>
     </p:extLst>
   </p:cSld>
@@ -2046,7 +2046,7 @@
           <p:cNvPr id="2" name="日期占位符 1">
             <a:extLst>
               <a:ext uri="{FF2B5EF4-FFF2-40B4-BE49-F238E27FC236}">
-                <a16:creationId xmlns:a16="http://schemas.microsoft.com/office/drawing/2014/main" id="{1BD8E042-D577-0E77-DAC2-8336695C8CD4}"/>
+                <a16:creationId xmlns:a16="http://schemas.microsoft.com/office/drawing/2014/main" id="{72B14B82-E87F-B8CD-767A-287D1274F70B}"/>
               </a:ext>
             </a:extLst>
           </p:cNvPr>
@@ -2062,7 +2062,7 @@
           <a:bodyPr/>
           <a:lstStyle/>
           <a:p>
-            <a:fld id="{107ED4B1-6B5D-4BAB-A441-595B0AEDAA76}" type="datetimeFigureOut">
+            <a:fld id="{6DC3F069-4C05-4A5D-A7F5-0BB48370E441}" type="datetimeFigureOut">
               <a:rPr lang="zh-CN" altLang="en-US" smtClean="0"/>
               <a:t>2024/3/10</a:t>
             </a:fld>
@@ -2075,7 +2075,7 @@
           <p:cNvPr id="3" name="页脚占位符 2">
             <a:extLst>
               <a:ext uri="{FF2B5EF4-FFF2-40B4-BE49-F238E27FC236}">
-                <a16:creationId xmlns:a16="http://schemas.microsoft.com/office/drawing/2014/main" id="{270F23D1-94A4-6986-52D3-324E920E2C92}"/>
+                <a16:creationId xmlns:a16="http://schemas.microsoft.com/office/drawing/2014/main" id="{E72FCBFC-C438-3F93-A44E-E50E0EFBBBC3}"/>
               </a:ext>
             </a:extLst>
           </p:cNvPr>
@@ -2100,7 +2100,7 @@
           <p:cNvPr id="4" name="灯片编号占位符 3">
             <a:extLst>
               <a:ext uri="{FF2B5EF4-FFF2-40B4-BE49-F238E27FC236}">
-                <a16:creationId xmlns:a16="http://schemas.microsoft.com/office/drawing/2014/main" id="{DD32DF6A-0BF5-B5FD-3F4A-920177020BBF}"/>
+                <a16:creationId xmlns:a16="http://schemas.microsoft.com/office/drawing/2014/main" id="{2D94660A-D254-465E-2267-B5C39C24E20A}"/>
               </a:ext>
             </a:extLst>
           </p:cNvPr>
@@ -2116,7 +2116,7 @@
           <a:bodyPr/>
           <a:lstStyle/>
           <a:p>
-            <a:fld id="{6A7A9C09-34D2-4A05-B647-F389992BC8F6}" type="slidenum">
+            <a:fld id="{69485E6D-D346-406C-97B3-E274B0657036}" type="slidenum">
               <a:rPr lang="zh-CN" altLang="en-US" smtClean="0"/>
               <a:t>‹#›</a:t>
             </a:fld>
@@ -2127,7 +2127,7 @@
     </p:spTree>
     <p:extLst>
       <p:ext uri="{BB962C8B-B14F-4D97-AF65-F5344CB8AC3E}">
-        <p14:creationId xmlns:p14="http://schemas.microsoft.com/office/powerpoint/2010/main" val="185379914"/>
+        <p14:creationId xmlns:p14="http://schemas.microsoft.com/office/powerpoint/2010/main" val="3281661094"/>
       </p:ext>
     </p:extLst>
   </p:cSld>
@@ -2159,7 +2159,7 @@
           <p:cNvPr id="2" name="标题 1">
             <a:extLst>
               <a:ext uri="{FF2B5EF4-FFF2-40B4-BE49-F238E27FC236}">
-                <a16:creationId xmlns:a16="http://schemas.microsoft.com/office/drawing/2014/main" id="{1B1B9809-AB0B-7A49-3B3D-BAF6F47B541E}"/>
+                <a16:creationId xmlns:a16="http://schemas.microsoft.com/office/drawing/2014/main" id="{0A3DC66E-1F0E-923B-59A5-183EC6C5877E}"/>
               </a:ext>
             </a:extLst>
           </p:cNvPr>
@@ -2196,7 +2196,7 @@
           <p:cNvPr id="3" name="内容占位符 2">
             <a:extLst>
               <a:ext uri="{FF2B5EF4-FFF2-40B4-BE49-F238E27FC236}">
-                <a16:creationId xmlns:a16="http://schemas.microsoft.com/office/drawing/2014/main" id="{A683D4CC-80CD-562E-7FC3-B8664222CB3C}"/>
+                <a16:creationId xmlns:a16="http://schemas.microsoft.com/office/drawing/2014/main" id="{2CE84283-2259-C9F9-7BE0-46C2C9138E4F}"/>
               </a:ext>
             </a:extLst>
           </p:cNvPr>
@@ -2286,7 +2286,7 @@
           <p:cNvPr id="4" name="文本占位符 3">
             <a:extLst>
               <a:ext uri="{FF2B5EF4-FFF2-40B4-BE49-F238E27FC236}">
-                <a16:creationId xmlns:a16="http://schemas.microsoft.com/office/drawing/2014/main" id="{0690CB72-59F6-943D-743F-F516B063254D}"/>
+                <a16:creationId xmlns:a16="http://schemas.microsoft.com/office/drawing/2014/main" id="{695E0714-6E90-17B1-2E00-B3D21ACEC7F0}"/>
               </a:ext>
             </a:extLst>
           </p:cNvPr>
@@ -2357,7 +2357,7 @@
           <p:cNvPr id="5" name="日期占位符 4">
             <a:extLst>
               <a:ext uri="{FF2B5EF4-FFF2-40B4-BE49-F238E27FC236}">
-                <a16:creationId xmlns:a16="http://schemas.microsoft.com/office/drawing/2014/main" id="{23A3E55C-173F-3C85-D6EE-2665CF43DB67}"/>
+                <a16:creationId xmlns:a16="http://schemas.microsoft.com/office/drawing/2014/main" id="{41A883D6-4FFE-9C46-BD84-1A470FE57627}"/>
               </a:ext>
             </a:extLst>
           </p:cNvPr>
@@ -2373,7 +2373,7 @@
           <a:bodyPr/>
           <a:lstStyle/>
           <a:p>
-            <a:fld id="{107ED4B1-6B5D-4BAB-A441-595B0AEDAA76}" type="datetimeFigureOut">
+            <a:fld id="{6DC3F069-4C05-4A5D-A7F5-0BB48370E441}" type="datetimeFigureOut">
               <a:rPr lang="zh-CN" altLang="en-US" smtClean="0"/>
               <a:t>2024/3/10</a:t>
             </a:fld>
@@ -2386,7 +2386,7 @@
           <p:cNvPr id="6" name="页脚占位符 5">
             <a:extLst>
               <a:ext uri="{FF2B5EF4-FFF2-40B4-BE49-F238E27FC236}">
-                <a16:creationId xmlns:a16="http://schemas.microsoft.com/office/drawing/2014/main" id="{11A48972-EE3D-530B-674D-5CC5CEC02503}"/>
+                <a16:creationId xmlns:a16="http://schemas.microsoft.com/office/drawing/2014/main" id="{97917367-F116-40E3-5E21-F645DBEB5B90}"/>
               </a:ext>
             </a:extLst>
           </p:cNvPr>
@@ -2411,7 +2411,7 @@
           <p:cNvPr id="7" name="灯片编号占位符 6">
             <a:extLst>
               <a:ext uri="{FF2B5EF4-FFF2-40B4-BE49-F238E27FC236}">
-                <a16:creationId xmlns:a16="http://schemas.microsoft.com/office/drawing/2014/main" id="{D6DE342F-3D9B-793E-E7A2-FE94528F31CB}"/>
+                <a16:creationId xmlns:a16="http://schemas.microsoft.com/office/drawing/2014/main" id="{88A3E468-9DA0-50E2-26EC-2F42FF54A43C}"/>
               </a:ext>
             </a:extLst>
           </p:cNvPr>
@@ -2427,7 +2427,7 @@
           <a:bodyPr/>
           <a:lstStyle/>
           <a:p>
-            <a:fld id="{6A7A9C09-34D2-4A05-B647-F389992BC8F6}" type="slidenum">
+            <a:fld id="{69485E6D-D346-406C-97B3-E274B0657036}" type="slidenum">
               <a:rPr lang="zh-CN" altLang="en-US" smtClean="0"/>
               <a:t>‹#›</a:t>
             </a:fld>
@@ -2438,7 +2438,7 @@
     </p:spTree>
     <p:extLst>
       <p:ext uri="{BB962C8B-B14F-4D97-AF65-F5344CB8AC3E}">
-        <p14:creationId xmlns:p14="http://schemas.microsoft.com/office/powerpoint/2010/main" val="1030390380"/>
+        <p14:creationId xmlns:p14="http://schemas.microsoft.com/office/powerpoint/2010/main" val="662619545"/>
       </p:ext>
     </p:extLst>
   </p:cSld>
@@ -2470,7 +2470,7 @@
           <p:cNvPr id="2" name="标题 1">
             <a:extLst>
               <a:ext uri="{FF2B5EF4-FFF2-40B4-BE49-F238E27FC236}">
-                <a16:creationId xmlns:a16="http://schemas.microsoft.com/office/drawing/2014/main" id="{DBC8EDFA-C0F2-A70B-7263-68837BC4F82F}"/>
+                <a16:creationId xmlns:a16="http://schemas.microsoft.com/office/drawing/2014/main" id="{43B97467-D786-209A-A1F8-84FE4257D04E}"/>
               </a:ext>
             </a:extLst>
           </p:cNvPr>
@@ -2507,7 +2507,7 @@
           <p:cNvPr id="3" name="图片占位符 2">
             <a:extLst>
               <a:ext uri="{FF2B5EF4-FFF2-40B4-BE49-F238E27FC236}">
-                <a16:creationId xmlns:a16="http://schemas.microsoft.com/office/drawing/2014/main" id="{61B3470E-9633-41CC-18D3-348877AF765E}"/>
+                <a16:creationId xmlns:a16="http://schemas.microsoft.com/office/drawing/2014/main" id="{D8AD694D-7D80-31C7-3591-8D078C7A35B3}"/>
               </a:ext>
             </a:extLst>
           </p:cNvPr>
@@ -2574,7 +2574,7 @@
           <p:cNvPr id="4" name="文本占位符 3">
             <a:extLst>
               <a:ext uri="{FF2B5EF4-FFF2-40B4-BE49-F238E27FC236}">
-                <a16:creationId xmlns:a16="http://schemas.microsoft.com/office/drawing/2014/main" id="{F1840E96-B017-ADEC-E930-93E426B596B9}"/>
+                <a16:creationId xmlns:a16="http://schemas.microsoft.com/office/drawing/2014/main" id="{9F3E43FE-B21C-DB9A-37F4-56F1E02B7974}"/>
               </a:ext>
             </a:extLst>
           </p:cNvPr>
@@ -2645,7 +2645,7 @@
           <p:cNvPr id="5" name="日期占位符 4">
             <a:extLst>
               <a:ext uri="{FF2B5EF4-FFF2-40B4-BE49-F238E27FC236}">
-                <a16:creationId xmlns:a16="http://schemas.microsoft.com/office/drawing/2014/main" id="{1BF88402-B004-BA23-AE5F-1DCD92E26D86}"/>
+                <a16:creationId xmlns:a16="http://schemas.microsoft.com/office/drawing/2014/main" id="{D539820A-7ABE-1F8C-58A3-85A4657ECB23}"/>
               </a:ext>
             </a:extLst>
           </p:cNvPr>
@@ -2661,7 +2661,7 @@
           <a:bodyPr/>
           <a:lstStyle/>
           <a:p>
-            <a:fld id="{107ED4B1-6B5D-4BAB-A441-595B0AEDAA76}" type="datetimeFigureOut">
+            <a:fld id="{6DC3F069-4C05-4A5D-A7F5-0BB48370E441}" type="datetimeFigureOut">
               <a:rPr lang="zh-CN" altLang="en-US" smtClean="0"/>
               <a:t>2024/3/10</a:t>
             </a:fld>
@@ -2674,7 +2674,7 @@
           <p:cNvPr id="6" name="页脚占位符 5">
             <a:extLst>
               <a:ext uri="{FF2B5EF4-FFF2-40B4-BE49-F238E27FC236}">
-                <a16:creationId xmlns:a16="http://schemas.microsoft.com/office/drawing/2014/main" id="{4D4CD008-125C-6D90-2D80-D826670B03FC}"/>
+                <a16:creationId xmlns:a16="http://schemas.microsoft.com/office/drawing/2014/main" id="{9AFF2C64-6874-F325-F90F-044A8DB92E0F}"/>
               </a:ext>
             </a:extLst>
           </p:cNvPr>
@@ -2699,7 +2699,7 @@
           <p:cNvPr id="7" name="灯片编号占位符 6">
             <a:extLst>
               <a:ext uri="{FF2B5EF4-FFF2-40B4-BE49-F238E27FC236}">
-                <a16:creationId xmlns:a16="http://schemas.microsoft.com/office/drawing/2014/main" id="{837FDB66-380C-1F50-E3D6-B717D4815982}"/>
+                <a16:creationId xmlns:a16="http://schemas.microsoft.com/office/drawing/2014/main" id="{A133D7F5-16B7-F9B6-BBE0-9C326503C4EB}"/>
               </a:ext>
             </a:extLst>
           </p:cNvPr>
@@ -2715,7 +2715,7 @@
           <a:bodyPr/>
           <a:lstStyle/>
           <a:p>
-            <a:fld id="{6A7A9C09-34D2-4A05-B647-F389992BC8F6}" type="slidenum">
+            <a:fld id="{69485E6D-D346-406C-97B3-E274B0657036}" type="slidenum">
               <a:rPr lang="zh-CN" altLang="en-US" smtClean="0"/>
               <a:t>‹#›</a:t>
             </a:fld>
@@ -2726,7 +2726,7 @@
     </p:spTree>
     <p:extLst>
       <p:ext uri="{BB962C8B-B14F-4D97-AF65-F5344CB8AC3E}">
-        <p14:creationId xmlns:p14="http://schemas.microsoft.com/office/powerpoint/2010/main" val="984939992"/>
+        <p14:creationId xmlns:p14="http://schemas.microsoft.com/office/powerpoint/2010/main" val="2313726479"/>
       </p:ext>
     </p:extLst>
   </p:cSld>
@@ -2763,7 +2763,7 @@
           <p:cNvPr id="2" name="标题占位符 1">
             <a:extLst>
               <a:ext uri="{FF2B5EF4-FFF2-40B4-BE49-F238E27FC236}">
-                <a16:creationId xmlns:a16="http://schemas.microsoft.com/office/drawing/2014/main" id="{9FBB0290-AE58-1153-BB30-9D97E602C194}"/>
+                <a16:creationId xmlns:a16="http://schemas.microsoft.com/office/drawing/2014/main" id="{D27FABD1-71AF-4129-8E5F-79E5D55AD9D4}"/>
               </a:ext>
             </a:extLst>
           </p:cNvPr>
@@ -2801,7 +2801,7 @@
           <p:cNvPr id="3" name="文本占位符 2">
             <a:extLst>
               <a:ext uri="{FF2B5EF4-FFF2-40B4-BE49-F238E27FC236}">
-                <a16:creationId xmlns:a16="http://schemas.microsoft.com/office/drawing/2014/main" id="{0D6D2B38-B635-0FAB-E4AB-A27E4646CAB3}"/>
+                <a16:creationId xmlns:a16="http://schemas.microsoft.com/office/drawing/2014/main" id="{8DCC38CE-7B66-76A6-42D4-A7966A61CDBB}"/>
               </a:ext>
             </a:extLst>
           </p:cNvPr>
@@ -2868,7 +2868,7 @@
           <p:cNvPr id="4" name="日期占位符 3">
             <a:extLst>
               <a:ext uri="{FF2B5EF4-FFF2-40B4-BE49-F238E27FC236}">
-                <a16:creationId xmlns:a16="http://schemas.microsoft.com/office/drawing/2014/main" id="{F2630F27-38D3-086B-6369-D4E4B796EFB0}"/>
+                <a16:creationId xmlns:a16="http://schemas.microsoft.com/office/drawing/2014/main" id="{092F37FD-012E-76FA-BB25-1D656228B5DF}"/>
               </a:ext>
             </a:extLst>
           </p:cNvPr>
@@ -2902,7 +2902,7 @@
             </a:lvl1pPr>
           </a:lstStyle>
           <a:p>
-            <a:fld id="{107ED4B1-6B5D-4BAB-A441-595B0AEDAA76}" type="datetimeFigureOut">
+            <a:fld id="{6DC3F069-4C05-4A5D-A7F5-0BB48370E441}" type="datetimeFigureOut">
               <a:rPr lang="zh-CN" altLang="en-US" smtClean="0"/>
               <a:t>2024/3/10</a:t>
             </a:fld>
@@ -2915,7 +2915,7 @@
           <p:cNvPr id="5" name="页脚占位符 4">
             <a:extLst>
               <a:ext uri="{FF2B5EF4-FFF2-40B4-BE49-F238E27FC236}">
-                <a16:creationId xmlns:a16="http://schemas.microsoft.com/office/drawing/2014/main" id="{B0B494F3-BBA3-130A-9D32-B58C671D4C74}"/>
+                <a16:creationId xmlns:a16="http://schemas.microsoft.com/office/drawing/2014/main" id="{28906179-CF35-4376-B8E6-FC2A5C557A30}"/>
               </a:ext>
             </a:extLst>
           </p:cNvPr>
@@ -2958,7 +2958,7 @@
           <p:cNvPr id="6" name="灯片编号占位符 5">
             <a:extLst>
               <a:ext uri="{FF2B5EF4-FFF2-40B4-BE49-F238E27FC236}">
-                <a16:creationId xmlns:a16="http://schemas.microsoft.com/office/drawing/2014/main" id="{95195473-D7BC-D686-7EF8-8D70F86C0A70}"/>
+                <a16:creationId xmlns:a16="http://schemas.microsoft.com/office/drawing/2014/main" id="{E7679BEC-136D-7197-DF93-1AF6A6EC8B79}"/>
               </a:ext>
             </a:extLst>
           </p:cNvPr>
@@ -2992,7 +2992,7 @@
             </a:lvl1pPr>
           </a:lstStyle>
           <a:p>
-            <a:fld id="{6A7A9C09-34D2-4A05-B647-F389992BC8F6}" type="slidenum">
+            <a:fld id="{69485E6D-D346-406C-97B3-E274B0657036}" type="slidenum">
               <a:rPr lang="zh-CN" altLang="en-US" smtClean="0"/>
               <a:t>‹#›</a:t>
             </a:fld>
@@ -3003,7 +3003,7 @@
     </p:spTree>
     <p:extLst>
       <p:ext uri="{BB962C8B-B14F-4D97-AF65-F5344CB8AC3E}">
-        <p14:creationId xmlns:p14="http://schemas.microsoft.com/office/powerpoint/2010/main" val="3114672159"/>
+        <p14:creationId xmlns:p14="http://schemas.microsoft.com/office/powerpoint/2010/main" val="3690467339"/>
       </p:ext>
     </p:extLst>
   </p:cSld>
@@ -3323,7 +3323,7 @@
       </p:grpSpPr>
       <p:pic>
         <p:nvPicPr>
-          <p:cNvPr id="1494018" name="Picture 2" descr="1458"/>
+          <p:cNvPr id="1495042" name="Picture 2" descr="1459"/>
           <p:cNvPicPr>
             <a:picLocks noChangeAspect="1" noChangeArrowheads="1"/>
           </p:cNvPicPr>
@@ -3344,8 +3344,8 @@
         </p:blipFill>
         <p:spPr bwMode="auto">
           <a:xfrm>
-            <a:off x="1524000" y="0"/>
-            <a:ext cx="9144000" cy="6573838"/>
+            <a:off x="1524000" y="1"/>
+            <a:ext cx="9144000" cy="5013325"/>
           </a:xfrm>
           <a:prstGeom prst="rect">
             <a:avLst/>
